--- a/운영체제/3w/20204101_신동욱2.pptx
+++ b/운영체제/3w/20204101_신동욱2.pptx
@@ -397,7 +397,7 @@
           <a:p>
             <a:fld id="{985AB57D-2A49-4783-ACF5-E89BFF76D73C}" type="datetimeFigureOut">
               <a:rPr lang="ko-KR" altLang="en-US" smtClean="0"/>
-              <a:t>2024-03-26</a:t>
+              <a:t>2024-03-27</a:t>
             </a:fld>
             <a:endParaRPr lang="ko-KR" altLang="en-US"/>
           </a:p>
@@ -595,7 +595,7 @@
           <a:p>
             <a:fld id="{985AB57D-2A49-4783-ACF5-E89BFF76D73C}" type="datetimeFigureOut">
               <a:rPr lang="ko-KR" altLang="en-US" smtClean="0"/>
-              <a:t>2024-03-26</a:t>
+              <a:t>2024-03-27</a:t>
             </a:fld>
             <a:endParaRPr lang="ko-KR" altLang="en-US"/>
           </a:p>
@@ -803,7 +803,7 @@
           <a:p>
             <a:fld id="{985AB57D-2A49-4783-ACF5-E89BFF76D73C}" type="datetimeFigureOut">
               <a:rPr lang="ko-KR" altLang="en-US" smtClean="0"/>
-              <a:t>2024-03-26</a:t>
+              <a:t>2024-03-27</a:t>
             </a:fld>
             <a:endParaRPr lang="ko-KR" altLang="en-US"/>
           </a:p>
@@ -1001,7 +1001,7 @@
           <a:p>
             <a:fld id="{985AB57D-2A49-4783-ACF5-E89BFF76D73C}" type="datetimeFigureOut">
               <a:rPr lang="ko-KR" altLang="en-US" smtClean="0"/>
-              <a:t>2024-03-26</a:t>
+              <a:t>2024-03-27</a:t>
             </a:fld>
             <a:endParaRPr lang="ko-KR" altLang="en-US"/>
           </a:p>
@@ -1276,7 +1276,7 @@
           <a:p>
             <a:fld id="{985AB57D-2A49-4783-ACF5-E89BFF76D73C}" type="datetimeFigureOut">
               <a:rPr lang="ko-KR" altLang="en-US" smtClean="0"/>
-              <a:t>2024-03-26</a:t>
+              <a:t>2024-03-27</a:t>
             </a:fld>
             <a:endParaRPr lang="ko-KR" altLang="en-US"/>
           </a:p>
@@ -1541,7 +1541,7 @@
           <a:p>
             <a:fld id="{985AB57D-2A49-4783-ACF5-E89BFF76D73C}" type="datetimeFigureOut">
               <a:rPr lang="ko-KR" altLang="en-US" smtClean="0"/>
-              <a:t>2024-03-26</a:t>
+              <a:t>2024-03-27</a:t>
             </a:fld>
             <a:endParaRPr lang="ko-KR" altLang="en-US"/>
           </a:p>
@@ -1953,7 +1953,7 @@
           <a:p>
             <a:fld id="{985AB57D-2A49-4783-ACF5-E89BFF76D73C}" type="datetimeFigureOut">
               <a:rPr lang="ko-KR" altLang="en-US" smtClean="0"/>
-              <a:t>2024-03-26</a:t>
+              <a:t>2024-03-27</a:t>
             </a:fld>
             <a:endParaRPr lang="ko-KR" altLang="en-US"/>
           </a:p>
@@ -2094,7 +2094,7 @@
           <a:p>
             <a:fld id="{985AB57D-2A49-4783-ACF5-E89BFF76D73C}" type="datetimeFigureOut">
               <a:rPr lang="ko-KR" altLang="en-US" smtClean="0"/>
-              <a:t>2024-03-26</a:t>
+              <a:t>2024-03-27</a:t>
             </a:fld>
             <a:endParaRPr lang="ko-KR" altLang="en-US"/>
           </a:p>
@@ -2207,7 +2207,7 @@
           <a:p>
             <a:fld id="{985AB57D-2A49-4783-ACF5-E89BFF76D73C}" type="datetimeFigureOut">
               <a:rPr lang="ko-KR" altLang="en-US" smtClean="0"/>
-              <a:t>2024-03-26</a:t>
+              <a:t>2024-03-27</a:t>
             </a:fld>
             <a:endParaRPr lang="ko-KR" altLang="en-US"/>
           </a:p>
@@ -2518,7 +2518,7 @@
           <a:p>
             <a:fld id="{985AB57D-2A49-4783-ACF5-E89BFF76D73C}" type="datetimeFigureOut">
               <a:rPr lang="ko-KR" altLang="en-US" smtClean="0"/>
-              <a:t>2024-03-26</a:t>
+              <a:t>2024-03-27</a:t>
             </a:fld>
             <a:endParaRPr lang="ko-KR" altLang="en-US"/>
           </a:p>
@@ -2806,7 +2806,7 @@
           <a:p>
             <a:fld id="{985AB57D-2A49-4783-ACF5-E89BFF76D73C}" type="datetimeFigureOut">
               <a:rPr lang="ko-KR" altLang="en-US" smtClean="0"/>
-              <a:t>2024-03-26</a:t>
+              <a:t>2024-03-27</a:t>
             </a:fld>
             <a:endParaRPr lang="ko-KR" altLang="en-US"/>
           </a:p>
@@ -3047,7 +3047,7 @@
           <a:p>
             <a:fld id="{985AB57D-2A49-4783-ACF5-E89BFF76D73C}" type="datetimeFigureOut">
               <a:rPr lang="ko-KR" altLang="en-US" smtClean="0"/>
-              <a:t>2024-03-26</a:t>
+              <a:t>2024-03-27</a:t>
             </a:fld>
             <a:endParaRPr lang="ko-KR" altLang="en-US"/>
           </a:p>
